--- a/1-PPT/L3 Directives.pptx
+++ b/1-PPT/L3 Directives.pptx
@@ -199,7 +199,7 @@
             <a:fld id="{EA38CB6D-63C9-464B-889E-D8FE438905A2}" type="datetimeFigureOut">
               <a:rPr lang="ar-EG" smtClean="0"/>
               <a:pPr/>
-              <a:t>03/02/1441</a:t>
+              <a:t>04/02/1441</a:t>
             </a:fld>
             <a:endParaRPr lang="ar-EG"/>
           </a:p>
@@ -647,7 +647,7 @@
             <a:fld id="{1D8BD707-D9CF-40AE-B4C6-C98DA3205C09}" type="datetimeFigureOut">
               <a:rPr lang="en-US" smtClean="0"/>
               <a:pPr/>
-              <a:t>10/2/2019</a:t>
+              <a:t>10/3/2019</a:t>
             </a:fld>
             <a:endParaRPr lang="en-US"/>
           </a:p>
@@ -814,7 +814,7 @@
             <a:fld id="{1D8BD707-D9CF-40AE-B4C6-C98DA3205C09}" type="datetimeFigureOut">
               <a:rPr lang="en-US" smtClean="0"/>
               <a:pPr/>
-              <a:t>10/2/2019</a:t>
+              <a:t>10/3/2019</a:t>
             </a:fld>
             <a:endParaRPr lang="en-US"/>
           </a:p>
@@ -991,7 +991,7 @@
             <a:fld id="{1D8BD707-D9CF-40AE-B4C6-C98DA3205C09}" type="datetimeFigureOut">
               <a:rPr lang="en-US" smtClean="0"/>
               <a:pPr/>
-              <a:t>10/2/2019</a:t>
+              <a:t>10/3/2019</a:t>
             </a:fld>
             <a:endParaRPr lang="en-US"/>
           </a:p>
@@ -1158,7 +1158,7 @@
             <a:fld id="{1D8BD707-D9CF-40AE-B4C6-C98DA3205C09}" type="datetimeFigureOut">
               <a:rPr lang="en-US" smtClean="0"/>
               <a:pPr/>
-              <a:t>10/2/2019</a:t>
+              <a:t>10/3/2019</a:t>
             </a:fld>
             <a:endParaRPr lang="en-US"/>
           </a:p>
@@ -1401,7 +1401,7 @@
             <a:fld id="{1D8BD707-D9CF-40AE-B4C6-C98DA3205C09}" type="datetimeFigureOut">
               <a:rPr lang="en-US" smtClean="0"/>
               <a:pPr/>
-              <a:t>10/2/2019</a:t>
+              <a:t>10/3/2019</a:t>
             </a:fld>
             <a:endParaRPr lang="en-US"/>
           </a:p>
@@ -1686,7 +1686,7 @@
             <a:fld id="{1D8BD707-D9CF-40AE-B4C6-C98DA3205C09}" type="datetimeFigureOut">
               <a:rPr lang="en-US" smtClean="0"/>
               <a:pPr/>
-              <a:t>10/2/2019</a:t>
+              <a:t>10/3/2019</a:t>
             </a:fld>
             <a:endParaRPr lang="en-US"/>
           </a:p>
@@ -2105,7 +2105,7 @@
             <a:fld id="{1D8BD707-D9CF-40AE-B4C6-C98DA3205C09}" type="datetimeFigureOut">
               <a:rPr lang="en-US" smtClean="0"/>
               <a:pPr/>
-              <a:t>10/2/2019</a:t>
+              <a:t>10/3/2019</a:t>
             </a:fld>
             <a:endParaRPr lang="en-US"/>
           </a:p>
@@ -2220,7 +2220,7 @@
             <a:fld id="{1D8BD707-D9CF-40AE-B4C6-C98DA3205C09}" type="datetimeFigureOut">
               <a:rPr lang="en-US" smtClean="0"/>
               <a:pPr/>
-              <a:t>10/2/2019</a:t>
+              <a:t>10/3/2019</a:t>
             </a:fld>
             <a:endParaRPr lang="en-US"/>
           </a:p>
@@ -2312,7 +2312,7 @@
             <a:fld id="{1D8BD707-D9CF-40AE-B4C6-C98DA3205C09}" type="datetimeFigureOut">
               <a:rPr lang="en-US" smtClean="0"/>
               <a:pPr/>
-              <a:t>10/2/2019</a:t>
+              <a:t>10/3/2019</a:t>
             </a:fld>
             <a:endParaRPr lang="en-US"/>
           </a:p>
@@ -2586,7 +2586,7 @@
             <a:fld id="{1D8BD707-D9CF-40AE-B4C6-C98DA3205C09}" type="datetimeFigureOut">
               <a:rPr lang="en-US" smtClean="0"/>
               <a:pPr/>
-              <a:t>10/2/2019</a:t>
+              <a:t>10/3/2019</a:t>
             </a:fld>
             <a:endParaRPr lang="en-US"/>
           </a:p>
@@ -2836,7 +2836,7 @@
             <a:fld id="{1D8BD707-D9CF-40AE-B4C6-C98DA3205C09}" type="datetimeFigureOut">
               <a:rPr lang="en-US" smtClean="0"/>
               <a:pPr/>
-              <a:t>10/2/2019</a:t>
+              <a:t>10/3/2019</a:t>
             </a:fld>
             <a:endParaRPr lang="en-US"/>
           </a:p>
@@ -3046,7 +3046,7 @@
             <a:fld id="{1D8BD707-D9CF-40AE-B4C6-C98DA3205C09}" type="datetimeFigureOut">
               <a:rPr lang="en-US" smtClean="0"/>
               <a:pPr/>
-              <a:t>10/2/2019</a:t>
+              <a:t>10/3/2019</a:t>
             </a:fld>
             <a:endParaRPr lang="en-US"/>
           </a:p>
@@ -4516,7 +4516,7 @@
         <p:spPr>
           <a:xfrm>
             <a:off x="381000" y="2057400"/>
-            <a:ext cx="8458200" cy="3139321"/>
+            <a:ext cx="8458200" cy="4247317"/>
           </a:xfrm>
           <a:prstGeom prst="rect">
             <a:avLst/>
@@ -4586,8 +4586,15 @@
           <a:p>
             <a:r>
               <a:rPr lang="en-US" dirty="0" smtClean="0"/>
-              <a:t>&lt;/some-element&gt;</a:t>
-            </a:r>
+              <a:t>&lt;/some-element</a:t>
+            </a:r>
+            <a:r>
+              <a:rPr lang="en-US" dirty="0" smtClean="0"/>
+              <a:t>&gt;</a:t>
+            </a:r>
+          </a:p>
+          <a:p>
+            <a:endParaRPr lang="en-US" dirty="0" smtClean="0"/>
           </a:p>
           <a:p>
             <a:endParaRPr lang="en-US" dirty="0" smtClean="0"/>
@@ -4628,7 +4635,47 @@
             </a:r>
             <a:r>
               <a:rPr lang="en-US" dirty="0" smtClean="0"/>
-              <a:t>]="{'class1 class2 class3' : true}"&gt;...&lt;/some-element&gt;</a:t>
+              <a:t>]="{'class1 class2 class3' : true}"&gt;...&lt;/some-element</a:t>
+            </a:r>
+            <a:r>
+              <a:rPr lang="en-US" dirty="0" smtClean="0"/>
+              <a:t>&gt;</a:t>
+            </a:r>
+          </a:p>
+          <a:p>
+            <a:endParaRPr lang="en-US" dirty="0" smtClean="0"/>
+          </a:p>
+          <a:p>
+            <a:r>
+              <a:rPr lang="en-US" dirty="0" smtClean="0"/>
+              <a:t>&lt;div </a:t>
+            </a:r>
+            <a:r>
+              <a:rPr lang="en-US" dirty="0" err="1" smtClean="0"/>
+              <a:t>ng</a:t>
+            </a:r>
+            <a:r>
+              <a:rPr lang="en-US" dirty="0" smtClean="0"/>
+              <a:t>-class="expression1? 'class1 class2' : 'class3 class4</a:t>
+            </a:r>
+            <a:r>
+              <a:rPr lang="en-US" dirty="0" smtClean="0"/>
+              <a:t>'"&gt;&lt;/div&gt;</a:t>
+            </a:r>
+            <a:endParaRPr lang="ar-EG" dirty="0" smtClean="0"/>
+          </a:p>
+          <a:p>
+            <a:r>
+              <a:rPr lang="en-US" dirty="0" smtClean="0"/>
+              <a:t>&lt;div </a:t>
+            </a:r>
+            <a:r>
+              <a:rPr lang="en-US" dirty="0" err="1" smtClean="0"/>
+              <a:t>ng</a:t>
+            </a:r>
+            <a:r>
+              <a:rPr lang="en-US" smtClean="0"/>
+              <a:t>-class="[{0:'even', 1:'odd'}[ $index % 2]]"&gt;&lt;/div&gt;</a:t>
             </a:r>
             <a:endParaRPr lang="en-US" dirty="0"/>
           </a:p>
@@ -4787,8 +4834,38 @@
             </a:r>
             <a:r>
               <a:rPr lang="en-US" sz="1800" dirty="0" smtClean="0"/>
-              <a:t>"&gt;...&lt;/some-element&gt;</a:t>
-            </a:r>
+              <a:t>"&gt;...&lt;/some-element</a:t>
+            </a:r>
+            <a:r>
+              <a:rPr lang="en-US" sz="1800" dirty="0" smtClean="0"/>
+              <a:t>&gt;</a:t>
+            </a:r>
+          </a:p>
+          <a:p>
+            <a:endParaRPr lang="en-US" sz="1800" dirty="0" smtClean="0"/>
+          </a:p>
+          <a:p>
+            <a:endParaRPr lang="en-US" sz="1800" dirty="0" smtClean="0"/>
+          </a:p>
+          <a:p>
+            <a:r>
+              <a:rPr lang="en-US" sz="1800" dirty="0" smtClean="0"/>
+              <a:t>&lt;div </a:t>
+            </a:r>
+            <a:r>
+              <a:rPr lang="en-US" sz="1800" dirty="0" err="1" smtClean="0"/>
+              <a:t>ngStyle</a:t>
+            </a:r>
+            <a:r>
+              <a:rPr lang="en-US" sz="1800" dirty="0" smtClean="0"/>
+              <a:t>="</a:t>
+            </a:r>
+            <a:r>
+              <a:rPr lang="en-US" sz="1800" dirty="0" smtClean="0"/>
+              <a:t>expression1? 'class1 class2' : 'class3 class4'"&gt;&lt;/div&gt;</a:t>
+            </a:r>
+          </a:p>
+          <a:p>
             <a:endParaRPr lang="en-US" sz="1800" dirty="0"/>
           </a:p>
         </p:txBody>
